--- a/presentation/formatting.pptx
+++ b/presentation/formatting.pptx
@@ -3323,51 +3323,310 @@
       </p:grpSpPr>
       <p:sp>
         <p:nvSpPr>
-          <p:cNvPr id="2" name="Title 1">
-            <a:extLst>
-              <a:ext uri="{FF2B5EF4-FFF2-40B4-BE49-F238E27FC236}">
-                <a16:creationId xmlns:a16="http://schemas.microsoft.com/office/drawing/2014/main" id="{52BA95AA-DF3B-E547-9C30-762166383386}"/>
-              </a:ext>
-            </a:extLst>
-          </p:cNvPr>
-          <p:cNvSpPr>
-            <a:spLocks noGrp="1"/>
-          </p:cNvSpPr>
-          <p:nvPr>
-            <p:ph type="ctrTitle"/>
-          </p:nvPr>
-        </p:nvSpPr>
-        <p:spPr/>
-        <p:txBody>
-          <a:bodyPr/>
-          <a:lstStyle/>
-          <a:p>
+          <p:cNvPr id="10" name="Rectangle 9">
+            <a:extLst>
+              <a:ext uri="{FF2B5EF4-FFF2-40B4-BE49-F238E27FC236}">
+                <a16:creationId xmlns:a16="http://schemas.microsoft.com/office/drawing/2014/main" id="{0801C253-A93C-834A-A047-915EF16B711B}"/>
+              </a:ext>
+            </a:extLst>
+          </p:cNvPr>
+          <p:cNvSpPr/>
+          <p:nvPr/>
+        </p:nvSpPr>
+        <p:spPr>
+          <a:xfrm>
+            <a:off x="0" y="0"/>
+            <a:ext cx="12194319" cy="6858000"/>
+          </a:xfrm>
+          <a:prstGeom prst="rect">
+            <a:avLst/>
+          </a:prstGeom>
+          <a:solidFill>
+            <a:srgbClr val="FFF2D3">
+              <a:alpha val="49000"/>
+            </a:srgbClr>
+          </a:solidFill>
+          <a:ln>
+            <a:noFill/>
+          </a:ln>
+          <a:effectLst>
+            <a:outerShdw blurRad="228542" algn="ctr" rotWithShape="0">
+              <a:srgbClr val="FFF2D3">
+                <a:alpha val="29000"/>
+              </a:srgbClr>
+            </a:outerShdw>
+          </a:effectLst>
+        </p:spPr>
+        <p:style>
+          <a:lnRef idx="2">
+            <a:schemeClr val="accent1">
+              <a:shade val="50000"/>
+            </a:schemeClr>
+          </a:lnRef>
+          <a:fillRef idx="1">
+            <a:schemeClr val="accent1"/>
+          </a:fillRef>
+          <a:effectRef idx="0">
+            <a:schemeClr val="accent1"/>
+          </a:effectRef>
+          <a:fontRef idx="minor">
+            <a:schemeClr val="lt1"/>
+          </a:fontRef>
+        </p:style>
+        <p:txBody>
+          <a:bodyPr rtlCol="0" anchor="ctr"/>
+          <a:lstStyle/>
+          <a:p>
+            <a:pPr algn="ctr"/>
             <a:endParaRPr lang="en-US"/>
           </a:p>
         </p:txBody>
       </p:sp>
       <p:sp>
         <p:nvSpPr>
-          <p:cNvPr id="3" name="Subtitle 2">
-            <a:extLst>
-              <a:ext uri="{FF2B5EF4-FFF2-40B4-BE49-F238E27FC236}">
-                <a16:creationId xmlns:a16="http://schemas.microsoft.com/office/drawing/2014/main" id="{9DFF2BDC-0E62-C146-9298-91CCFBE7D297}"/>
-              </a:ext>
-            </a:extLst>
-          </p:cNvPr>
-          <p:cNvSpPr>
-            <a:spLocks noGrp="1"/>
-          </p:cNvSpPr>
-          <p:nvPr>
-            <p:ph type="subTitle" idx="1"/>
-          </p:nvPr>
-        </p:nvSpPr>
-        <p:spPr/>
-        <p:txBody>
-          <a:bodyPr/>
-          <a:lstStyle/>
-          <a:p>
+          <p:cNvPr id="9" name="Rectangle 8">
+            <a:extLst>
+              <a:ext uri="{FF2B5EF4-FFF2-40B4-BE49-F238E27FC236}">
+                <a16:creationId xmlns:a16="http://schemas.microsoft.com/office/drawing/2014/main" id="{AF07E750-6F1A-514D-8880-064ABBA77455}"/>
+              </a:ext>
+            </a:extLst>
+          </p:cNvPr>
+          <p:cNvSpPr/>
+          <p:nvPr/>
+        </p:nvSpPr>
+        <p:spPr>
+          <a:xfrm>
+            <a:off x="0" y="2061046"/>
+            <a:ext cx="12194319" cy="2471748"/>
+          </a:xfrm>
+          <a:prstGeom prst="rect">
+            <a:avLst/>
+          </a:prstGeom>
+          <a:solidFill>
+            <a:srgbClr val="FCAAA7"/>
+          </a:solidFill>
+          <a:ln>
+            <a:noFill/>
+          </a:ln>
+        </p:spPr>
+        <p:style>
+          <a:lnRef idx="2">
+            <a:schemeClr val="accent1">
+              <a:shade val="50000"/>
+            </a:schemeClr>
+          </a:lnRef>
+          <a:fillRef idx="1">
+            <a:schemeClr val="accent1"/>
+          </a:fillRef>
+          <a:effectRef idx="0">
+            <a:schemeClr val="accent1"/>
+          </a:effectRef>
+          <a:fontRef idx="minor">
+            <a:schemeClr val="lt1"/>
+          </a:fontRef>
+        </p:style>
+        <p:txBody>
+          <a:bodyPr rtlCol="0" anchor="ctr"/>
+          <a:lstStyle/>
+          <a:p>
+            <a:pPr algn="ctr"/>
             <a:endParaRPr lang="en-US"/>
+          </a:p>
+        </p:txBody>
+      </p:sp>
+      <p:sp>
+        <p:nvSpPr>
+          <p:cNvPr id="8" name="Rectangle 7">
+            <a:extLst>
+              <a:ext uri="{FF2B5EF4-FFF2-40B4-BE49-F238E27FC236}">
+                <a16:creationId xmlns:a16="http://schemas.microsoft.com/office/drawing/2014/main" id="{0886923B-B265-C543-B982-0E6108DB67A0}"/>
+              </a:ext>
+            </a:extLst>
+          </p:cNvPr>
+          <p:cNvSpPr/>
+          <p:nvPr/>
+        </p:nvSpPr>
+        <p:spPr>
+          <a:xfrm>
+            <a:off x="-2319" y="1928398"/>
+            <a:ext cx="12194319" cy="1702307"/>
+          </a:xfrm>
+          <a:prstGeom prst="rect">
+            <a:avLst/>
+          </a:prstGeom>
+          <a:solidFill>
+            <a:srgbClr val="FF8B89"/>
+          </a:solidFill>
+          <a:ln>
+            <a:noFill/>
+          </a:ln>
+          <a:effectLst>
+            <a:outerShdw blurRad="228542" algn="ctr" rotWithShape="0">
+              <a:prstClr val="black">
+                <a:alpha val="29000"/>
+              </a:prstClr>
+            </a:outerShdw>
+          </a:effectLst>
+        </p:spPr>
+        <p:style>
+          <a:lnRef idx="2">
+            <a:schemeClr val="accent1">
+              <a:shade val="50000"/>
+            </a:schemeClr>
+          </a:lnRef>
+          <a:fillRef idx="1">
+            <a:schemeClr val="accent1"/>
+          </a:fillRef>
+          <a:effectRef idx="0">
+            <a:schemeClr val="accent1"/>
+          </a:effectRef>
+          <a:fontRef idx="minor">
+            <a:schemeClr val="lt1"/>
+          </a:fontRef>
+        </p:style>
+        <p:txBody>
+          <a:bodyPr rtlCol="0" anchor="ctr"/>
+          <a:lstStyle/>
+          <a:p>
+            <a:pPr algn="ctr"/>
+            <a:endParaRPr lang="en-US"/>
+          </a:p>
+        </p:txBody>
+      </p:sp>
+      <p:sp>
+        <p:nvSpPr>
+          <p:cNvPr id="6" name="TextBox 5">
+            <a:extLst>
+              <a:ext uri="{FF2B5EF4-FFF2-40B4-BE49-F238E27FC236}">
+                <a16:creationId xmlns:a16="http://schemas.microsoft.com/office/drawing/2014/main" id="{B8DE7AB3-A8E1-EE43-9BA2-8D24FF80EC42}"/>
+              </a:ext>
+            </a:extLst>
+          </p:cNvPr>
+          <p:cNvSpPr txBox="1"/>
+          <p:nvPr/>
+        </p:nvSpPr>
+        <p:spPr>
+          <a:xfrm>
+            <a:off x="0" y="2061046"/>
+            <a:ext cx="3460722" cy="1569660"/>
+          </a:xfrm>
+          <a:prstGeom prst="rect">
+            <a:avLst/>
+          </a:prstGeom>
+          <a:noFill/>
+        </p:spPr>
+        <p:txBody>
+          <a:bodyPr wrap="square" rtlCol="0">
+            <a:spAutoFit/>
+          </a:bodyPr>
+          <a:lstStyle/>
+          <a:p>
+            <a:pPr algn="r"/>
+            <a:r>
+              <a:rPr lang="en-US" sz="3200" b="1" dirty="0">
+                <a:solidFill>
+                  <a:srgbClr val="FFF2D3"/>
+                </a:solidFill>
+                <a:effectLst>
+                  <a:outerShdw blurRad="276348" algn="ctr" rotWithShape="0">
+                    <a:srgbClr val="FFF2D3">
+                      <a:alpha val="96000"/>
+                    </a:srgbClr>
+                  </a:outerShdw>
+                </a:effectLst>
+                <a:latin typeface="☞LULO CLEAN ONE" panose="02010304020200000003" pitchFamily="2" charset="77"/>
+              </a:rPr>
+              <a:t>Reddit Comment Contents </a:t>
+            </a:r>
+          </a:p>
+        </p:txBody>
+      </p:sp>
+      <p:pic>
+        <p:nvPicPr>
+          <p:cNvPr id="5" name="Picture 4" descr="Text&#10;&#10;Description automatically generated">
+            <a:extLst>
+              <a:ext uri="{FF2B5EF4-FFF2-40B4-BE49-F238E27FC236}">
+                <a16:creationId xmlns:a16="http://schemas.microsoft.com/office/drawing/2014/main" id="{ECF59B8D-15DF-9445-B1CB-5A6C9D3D38F5}"/>
+              </a:ext>
+            </a:extLst>
+          </p:cNvPr>
+          <p:cNvPicPr>
+            <a:picLocks noChangeAspect="1"/>
+          </p:cNvPicPr>
+          <p:nvPr/>
+        </p:nvPicPr>
+        <p:blipFill>
+          <a:blip r:embed="rId2"/>
+          <a:stretch>
+            <a:fillRect/>
+          </a:stretch>
+        </p:blipFill>
+        <p:spPr>
+          <a:xfrm>
+            <a:off x="3197180" y="482515"/>
+            <a:ext cx="9132511" cy="6081228"/>
+          </a:xfrm>
+          <a:prstGeom prst="rect">
+            <a:avLst/>
+          </a:prstGeom>
+        </p:spPr>
+      </p:pic>
+      <p:sp>
+        <p:nvSpPr>
+          <p:cNvPr id="7" name="TextBox 6">
+            <a:extLst>
+              <a:ext uri="{FF2B5EF4-FFF2-40B4-BE49-F238E27FC236}">
+                <a16:creationId xmlns:a16="http://schemas.microsoft.com/office/drawing/2014/main" id="{D955A66E-CFA1-7D48-8E44-E4B434AC4983}"/>
+              </a:ext>
+            </a:extLst>
+          </p:cNvPr>
+          <p:cNvSpPr txBox="1"/>
+          <p:nvPr/>
+        </p:nvSpPr>
+        <p:spPr>
+          <a:xfrm>
+            <a:off x="318607" y="3697028"/>
+            <a:ext cx="3013945" cy="769441"/>
+          </a:xfrm>
+          <a:prstGeom prst="rect">
+            <a:avLst/>
+          </a:prstGeom>
+          <a:noFill/>
+        </p:spPr>
+        <p:txBody>
+          <a:bodyPr wrap="square" rtlCol="0">
+            <a:spAutoFit/>
+          </a:bodyPr>
+          <a:lstStyle/>
+          <a:p>
+            <a:pPr algn="r"/>
+            <a:r>
+              <a:rPr lang="en-US" sz="1100" i="1" dirty="0">
+                <a:solidFill>
+                  <a:srgbClr val="FFF2D3"/>
+                </a:solidFill>
+                <a:latin typeface="☞LULO CLEAN ONE" panose="02010304020200000003" pitchFamily="2" charset="77"/>
+              </a:rPr>
+              <a:t>Comparing the number of removed comments vs literally </a:t>
+            </a:r>
+            <a:r>
+              <a:rPr lang="en-US" sz="1100" b="1" i="1" dirty="0">
+                <a:solidFill>
+                  <a:srgbClr val="FFF2D3"/>
+                </a:solidFill>
+                <a:latin typeface="☞LULO CLEAN ONE" panose="02010304020200000003" pitchFamily="2" charset="77"/>
+              </a:rPr>
+              <a:t>ANY</a:t>
+            </a:r>
+            <a:r>
+              <a:rPr lang="en-US" sz="1100" i="1" dirty="0">
+                <a:solidFill>
+                  <a:srgbClr val="FFF2D3"/>
+                </a:solidFill>
+                <a:latin typeface="☞LULO CLEAN ONE" panose="02010304020200000003" pitchFamily="2" charset="77"/>
+              </a:rPr>
+              <a:t> other comment</a:t>
+            </a:r>
           </a:p>
         </p:txBody>
       </p:sp>
